--- a/database/workbench.pptx
+++ b/database/workbench.pptx
@@ -11,16 +11,18 @@
     <p:sldId id="406" r:id="rId5"/>
     <p:sldId id="408" r:id="rId6"/>
     <p:sldId id="409" r:id="rId7"/>
-    <p:sldId id="410" r:id="rId8"/>
-    <p:sldId id="411" r:id="rId9"/>
-    <p:sldId id="412" r:id="rId10"/>
-    <p:sldId id="413" r:id="rId11"/>
-    <p:sldId id="414" r:id="rId12"/>
-    <p:sldId id="415" r:id="rId13"/>
-    <p:sldId id="416" r:id="rId14"/>
-    <p:sldId id="417" r:id="rId15"/>
-    <p:sldId id="418" r:id="rId16"/>
-    <p:sldId id="419" r:id="rId17"/>
+    <p:sldId id="420" r:id="rId8"/>
+    <p:sldId id="421" r:id="rId9"/>
+    <p:sldId id="410" r:id="rId10"/>
+    <p:sldId id="411" r:id="rId11"/>
+    <p:sldId id="412" r:id="rId12"/>
+    <p:sldId id="413" r:id="rId13"/>
+    <p:sldId id="414" r:id="rId14"/>
+    <p:sldId id="415" r:id="rId15"/>
+    <p:sldId id="416" r:id="rId16"/>
+    <p:sldId id="417" r:id="rId17"/>
+    <p:sldId id="418" r:id="rId18"/>
+    <p:sldId id="419" r:id="rId19"/>
   </p:sldIdLst>
   <p:sldSz cx="12192000" cy="6858000"/>
   <p:notesSz cx="6858000" cy="9144000"/>
@@ -133,6 +135,8 @@
             <p14:sldId id="406"/>
             <p14:sldId id="408"/>
             <p14:sldId id="409"/>
+            <p14:sldId id="420"/>
+            <p14:sldId id="421"/>
             <p14:sldId id="410"/>
             <p14:sldId id="411"/>
             <p14:sldId id="412"/>
@@ -319,7 +323,7 @@
                 </a:solidFill>
               </a:rPr>
               <a:pPr/>
-              <a:t>2022-06-13</a:t>
+              <a:t>2022-06-16</a:t>
             </a:fld>
             <a:endParaRPr lang="ko-KR" altLang="en-US">
               <a:solidFill>
@@ -549,7 +553,7 @@
                 </a:solidFill>
               </a:rPr>
               <a:pPr/>
-              <a:t>2022-06-13</a:t>
+              <a:t>2022-06-16</a:t>
             </a:fld>
             <a:endParaRPr lang="ko-KR" altLang="en-US">
               <a:solidFill>
@@ -789,7 +793,7 @@
                 </a:solidFill>
               </a:rPr>
               <a:pPr/>
-              <a:t>2022-06-13</a:t>
+              <a:t>2022-06-16</a:t>
             </a:fld>
             <a:endParaRPr lang="ko-KR" altLang="en-US">
               <a:solidFill>
@@ -1021,7 +1025,7 @@
                 <a:latin typeface="맑은 고딕" charset="0"/>
                 <a:ea typeface="맑은 고딕" charset="0"/>
               </a:rPr>
-              <a:t>2022-06-13</a:t>
+              <a:t>2022-06-16</a:t>
             </a:fld>
             <a:endParaRPr lang="ko-KR" altLang="en-US">
               <a:solidFill>
@@ -1300,7 +1304,7 @@
                 <a:latin typeface="맑은 고딕" charset="0"/>
                 <a:ea typeface="맑은 고딕" charset="0"/>
               </a:rPr>
-              <a:t>2022-06-13</a:t>
+              <a:t>2022-06-16</a:t>
             </a:fld>
             <a:endParaRPr lang="ko-KR" altLang="en-US">
               <a:solidFill>
@@ -1542,7 +1546,7 @@
                 <a:latin typeface="맑은 고딕" charset="0"/>
                 <a:ea typeface="맑은 고딕" charset="0"/>
               </a:rPr>
-              <a:t>2022-06-13</a:t>
+              <a:t>2022-06-16</a:t>
             </a:fld>
             <a:endParaRPr lang="ko-KR" altLang="en-US">
               <a:solidFill>
@@ -1897,7 +1901,7 @@
                 <a:latin typeface="맑은 고딕" charset="0"/>
                 <a:ea typeface="맑은 고딕" charset="0"/>
               </a:rPr>
-              <a:t>2022-06-13</a:t>
+              <a:t>2022-06-16</a:t>
             </a:fld>
             <a:endParaRPr lang="ko-KR" altLang="en-US">
               <a:solidFill>
@@ -2330,7 +2334,7 @@
                 <a:latin typeface="맑은 고딕" charset="0"/>
                 <a:ea typeface="맑은 고딕" charset="0"/>
               </a:rPr>
-              <a:t>2022-06-13</a:t>
+              <a:t>2022-06-16</a:t>
             </a:fld>
             <a:endParaRPr lang="ko-KR" altLang="en-US">
               <a:solidFill>
@@ -2533,7 +2537,7 @@
                 <a:latin typeface="맑은 고딕" charset="0"/>
                 <a:ea typeface="맑은 고딕" charset="0"/>
               </a:rPr>
-              <a:t>2022-06-13</a:t>
+              <a:t>2022-06-16</a:t>
             </a:fld>
             <a:endParaRPr lang="ko-KR" altLang="en-US">
               <a:solidFill>
@@ -2697,7 +2701,7 @@
                 <a:latin typeface="맑은 고딕" charset="0"/>
                 <a:ea typeface="맑은 고딕" charset="0"/>
               </a:rPr>
-              <a:t>2022-06-13</a:t>
+              <a:t>2022-06-16</a:t>
             </a:fld>
             <a:endParaRPr lang="ko-KR" altLang="en-US">
               <a:solidFill>
@@ -3015,7 +3019,7 @@
                 <a:latin typeface="맑은 고딕" charset="0"/>
                 <a:ea typeface="맑은 고딕" charset="0"/>
               </a:rPr>
-              <a:t>2022-06-13</a:t>
+              <a:t>2022-06-16</a:t>
             </a:fld>
             <a:endParaRPr lang="ko-KR" altLang="en-US">
               <a:solidFill>
@@ -3255,7 +3259,7 @@
                 </a:solidFill>
               </a:rPr>
               <a:pPr/>
-              <a:t>2022-06-13</a:t>
+              <a:t>2022-06-16</a:t>
             </a:fld>
             <a:endParaRPr lang="ko-KR" altLang="en-US">
               <a:solidFill>
@@ -3507,7 +3511,7 @@
                 <a:latin typeface="맑은 고딕" charset="0"/>
                 <a:ea typeface="맑은 고딕" charset="0"/>
               </a:rPr>
-              <a:t>2022-06-13</a:t>
+              <a:t>2022-06-16</a:t>
             </a:fld>
             <a:endParaRPr lang="ko-KR" altLang="en-US">
               <a:solidFill>
@@ -3786,7 +3790,7 @@
                 <a:latin typeface="맑은 고딕" charset="0"/>
                 <a:ea typeface="맑은 고딕" charset="0"/>
               </a:rPr>
-              <a:t>2022-06-13</a:t>
+              <a:t>2022-06-16</a:t>
             </a:fld>
             <a:endParaRPr lang="ko-KR" altLang="en-US">
               <a:solidFill>
@@ -4065,7 +4069,7 @@
                 <a:latin typeface="맑은 고딕" charset="0"/>
                 <a:ea typeface="맑은 고딕" charset="0"/>
               </a:rPr>
-              <a:t>2022-06-13</a:t>
+              <a:t>2022-06-16</a:t>
             </a:fld>
             <a:endParaRPr lang="ko-KR" altLang="en-US">
               <a:solidFill>
@@ -4382,7 +4386,7 @@
                 </a:solidFill>
               </a:rPr>
               <a:pPr/>
-              <a:t>2022-06-13</a:t>
+              <a:t>2022-06-16</a:t>
             </a:fld>
             <a:endParaRPr lang="ko-KR" altLang="en-US">
               <a:solidFill>
@@ -4679,7 +4683,7 @@
                 </a:solidFill>
               </a:rPr>
               <a:pPr/>
-              <a:t>2022-06-13</a:t>
+              <a:t>2022-06-16</a:t>
             </a:fld>
             <a:endParaRPr lang="ko-KR" altLang="en-US">
               <a:solidFill>
@@ -5123,7 +5127,7 @@
                 </a:solidFill>
               </a:rPr>
               <a:pPr/>
-              <a:t>2022-06-13</a:t>
+              <a:t>2022-06-16</a:t>
             </a:fld>
             <a:endParaRPr lang="ko-KR" altLang="en-US">
               <a:solidFill>
@@ -5296,7 +5300,7 @@
                 </a:solidFill>
               </a:rPr>
               <a:pPr/>
-              <a:t>2022-06-13</a:t>
+              <a:t>2022-06-16</a:t>
             </a:fld>
             <a:endParaRPr lang="ko-KR" altLang="en-US">
               <a:solidFill>
@@ -5441,7 +5445,7 @@
                 </a:solidFill>
               </a:rPr>
               <a:pPr/>
-              <a:t>2022-06-13</a:t>
+              <a:t>2022-06-16</a:t>
             </a:fld>
             <a:endParaRPr lang="ko-KR" altLang="en-US">
               <a:solidFill>
@@ -6810,7 +6814,7 @@
                 </a:solidFill>
               </a:rPr>
               <a:pPr/>
-              <a:t>2022-06-13</a:t>
+              <a:t>2022-06-16</a:t>
             </a:fld>
             <a:endParaRPr lang="ko-KR" altLang="en-US">
               <a:solidFill>
@@ -7130,7 +7134,7 @@
                 </a:solidFill>
               </a:rPr>
               <a:pPr/>
-              <a:t>2022-06-13</a:t>
+              <a:t>2022-06-16</a:t>
             </a:fld>
             <a:endParaRPr lang="ko-KR" altLang="en-US">
               <a:solidFill>
@@ -7403,7 +7407,7 @@
                 </a:solidFill>
               </a:rPr>
               <a:pPr/>
-              <a:t>2022-06-13</a:t>
+              <a:t>2022-06-16</a:t>
             </a:fld>
             <a:endParaRPr lang="ko-KR" altLang="en-US">
               <a:solidFill>
@@ -8004,7 +8008,7 @@
                 <a:latin typeface="맑은 고딕" charset="0"/>
                 <a:ea typeface="맑은 고딕" charset="0"/>
               </a:rPr>
-              <a:t>2022-06-13</a:t>
+              <a:t>2022-06-16</a:t>
             </a:fld>
             <a:endParaRPr lang="ko-KR" altLang="en-US">
               <a:solidFill>
@@ -8533,8 +8537,25 @@
             </a:pPr>
             <a:r>
               <a:rPr lang="ko-KR" altLang="en-US" dirty="0" smtClean="0"/>
-              <a:t>데이터베이스 모델 생성</a:t>
-            </a:r>
+              <a:t>쿼리 생성 </a:t>
+            </a:r>
+            <a:r>
+              <a:rPr lang="en-US" altLang="ko-KR" dirty="0" smtClean="0"/>
+              <a:t>- </a:t>
+            </a:r>
+            <a:r>
+              <a:rPr lang="ko-KR" altLang="en-US" dirty="0" smtClean="0"/>
+              <a:t>실행</a:t>
+            </a:r>
+            <a:endParaRPr lang="en-US" altLang="ko-KR" dirty="0" smtClean="0"/>
+          </a:p>
+          <a:p>
+            <a:pPr marL="0" indent="0">
+              <a:lnSpc>
+                <a:spcPct val="150000"/>
+              </a:lnSpc>
+              <a:buNone/>
+            </a:pPr>
             <a:endParaRPr lang="en-US" altLang="ko-KR" dirty="0"/>
           </a:p>
         </p:txBody>
@@ -8555,8 +8576,78 @@
         </p:blipFill>
         <p:spPr>
           <a:xfrm>
-            <a:off x="1845426" y="2261553"/>
-            <a:ext cx="8206108" cy="4080349"/>
+            <a:off x="637723" y="2042034"/>
+            <a:ext cx="8954750" cy="4286848"/>
+          </a:xfrm>
+          <a:prstGeom prst="rect">
+            <a:avLst/>
+          </a:prstGeom>
+        </p:spPr>
+      </p:pic>
+      <p:sp>
+        <p:nvSpPr>
+          <p:cNvPr id="6" name="직사각형 5"/>
+          <p:cNvSpPr/>
+          <p:nvPr/>
+        </p:nvSpPr>
+        <p:spPr>
+          <a:xfrm>
+            <a:off x="3208714" y="3235898"/>
+            <a:ext cx="390698" cy="357448"/>
+          </a:xfrm>
+          <a:prstGeom prst="rect">
+            <a:avLst/>
+          </a:prstGeom>
+          <a:noFill/>
+          <a:ln>
+            <a:solidFill>
+              <a:srgbClr val="FF0000"/>
+            </a:solidFill>
+          </a:ln>
+        </p:spPr>
+        <p:style>
+          <a:lnRef idx="2">
+            <a:schemeClr val="accent1">
+              <a:shade val="50000"/>
+            </a:schemeClr>
+          </a:lnRef>
+          <a:fillRef idx="1">
+            <a:schemeClr val="accent1"/>
+          </a:fillRef>
+          <a:effectRef idx="0">
+            <a:schemeClr val="accent1"/>
+          </a:effectRef>
+          <a:fontRef idx="minor">
+            <a:schemeClr val="lt1"/>
+          </a:fontRef>
+        </p:style>
+        <p:txBody>
+          <a:bodyPr rtlCol="0" anchor="ctr"/>
+          <a:lstStyle/>
+          <a:p>
+            <a:pPr algn="ctr"/>
+            <a:endParaRPr lang="ko-KR" altLang="en-US"/>
+          </a:p>
+        </p:txBody>
+      </p:sp>
+      <p:pic>
+        <p:nvPicPr>
+          <p:cNvPr id="4" name="그림 3"/>
+          <p:cNvPicPr>
+            <a:picLocks noChangeAspect="1"/>
+          </p:cNvPicPr>
+          <p:nvPr/>
+        </p:nvPicPr>
+        <p:blipFill>
+          <a:blip r:embed="rId3"/>
+          <a:stretch>
+            <a:fillRect/>
+          </a:stretch>
+        </p:blipFill>
+        <p:spPr>
+          <a:xfrm>
+            <a:off x="5705730" y="3687352"/>
+            <a:ext cx="7773485" cy="2991267"/>
           </a:xfrm>
           <a:prstGeom prst="rect">
             <a:avLst/>
@@ -8566,7 +8657,7 @@
     </p:spTree>
     <p:extLst>
       <p:ext uri="{BB962C8B-B14F-4D97-AF65-F5344CB8AC3E}">
-        <p14:creationId xmlns:p14="http://schemas.microsoft.com/office/powerpoint/2010/main" val="2869075808"/>
+        <p14:creationId xmlns:p14="http://schemas.microsoft.com/office/powerpoint/2010/main" val="3776652051"/>
       </p:ext>
     </p:extLst>
   </p:cSld>
@@ -8834,12 +8925,8 @@
               <a:buNone/>
             </a:pPr>
             <a:r>
-              <a:rPr lang="ko-KR" altLang="en-US" dirty="0" smtClean="0"/>
-              <a:t>데이터베이스 </a:t>
-            </a:r>
-            <a:r>
-              <a:rPr lang="ko-KR" altLang="en-US" dirty="0" smtClean="0"/>
-              <a:t>테이블 생성</a:t>
+              <a:rPr lang="ko-KR" altLang="en-US" smtClean="0"/>
+              <a:t>데이터베이스 모델</a:t>
             </a:r>
             <a:endParaRPr lang="en-US" altLang="ko-KR" dirty="0"/>
           </a:p>
@@ -8861,64 +8948,18 @@
         </p:blipFill>
         <p:spPr>
           <a:xfrm>
-            <a:off x="3092335" y="2157409"/>
-            <a:ext cx="6981765" cy="4519129"/>
+            <a:off x="3743650" y="1255222"/>
+            <a:ext cx="5637145" cy="5253666"/>
           </a:xfrm>
           <a:prstGeom prst="rect">
             <a:avLst/>
           </a:prstGeom>
         </p:spPr>
       </p:pic>
-      <p:sp>
-        <p:nvSpPr>
-          <p:cNvPr id="6" name="직사각형 5"/>
-          <p:cNvSpPr/>
-          <p:nvPr/>
-        </p:nvSpPr>
-        <p:spPr>
-          <a:xfrm>
-            <a:off x="4389122" y="4358115"/>
-            <a:ext cx="390698" cy="454953"/>
-          </a:xfrm>
-          <a:prstGeom prst="rect">
-            <a:avLst/>
-          </a:prstGeom>
-          <a:noFill/>
-          <a:ln>
-            <a:solidFill>
-              <a:srgbClr val="FF0000"/>
-            </a:solidFill>
-          </a:ln>
-        </p:spPr>
-        <p:style>
-          <a:lnRef idx="2">
-            <a:schemeClr val="accent1">
-              <a:shade val="50000"/>
-            </a:schemeClr>
-          </a:lnRef>
-          <a:fillRef idx="1">
-            <a:schemeClr val="accent1"/>
-          </a:fillRef>
-          <a:effectRef idx="0">
-            <a:schemeClr val="accent1"/>
-          </a:effectRef>
-          <a:fontRef idx="minor">
-            <a:schemeClr val="lt1"/>
-          </a:fontRef>
-        </p:style>
-        <p:txBody>
-          <a:bodyPr rtlCol="0" anchor="ctr"/>
-          <a:lstStyle/>
-          <a:p>
-            <a:pPr algn="ctr"/>
-            <a:endParaRPr lang="ko-KR" altLang="en-US"/>
-          </a:p>
-        </p:txBody>
-      </p:sp>
     </p:spTree>
     <p:extLst>
       <p:ext uri="{BB962C8B-B14F-4D97-AF65-F5344CB8AC3E}">
-        <p14:creationId xmlns:p14="http://schemas.microsoft.com/office/powerpoint/2010/main" val="2579842107"/>
+        <p14:creationId xmlns:p14="http://schemas.microsoft.com/office/powerpoint/2010/main" val="1023212708"/>
       </p:ext>
     </p:extLst>
   </p:cSld>
@@ -9186,8 +9227,8 @@
               <a:buNone/>
             </a:pPr>
             <a:r>
-              <a:rPr lang="ko-KR" altLang="en-US" smtClean="0"/>
-              <a:t>데이터베이스 리버스엔지니어</a:t>
+              <a:rPr lang="ko-KR" altLang="en-US" dirty="0" smtClean="0"/>
+              <a:t>데이터베이스 모델 생성</a:t>
             </a:r>
             <a:endParaRPr lang="en-US" altLang="ko-KR" dirty="0"/>
           </a:p>
@@ -9209,8 +9250,8 @@
         </p:blipFill>
         <p:spPr>
           <a:xfrm>
-            <a:off x="765868" y="2283924"/>
-            <a:ext cx="6763694" cy="3686689"/>
+            <a:off x="1845426" y="2261553"/>
+            <a:ext cx="8206108" cy="4080349"/>
           </a:xfrm>
           <a:prstGeom prst="rect">
             <a:avLst/>
@@ -9220,7 +9261,7 @@
     </p:spTree>
     <p:extLst>
       <p:ext uri="{BB962C8B-B14F-4D97-AF65-F5344CB8AC3E}">
-        <p14:creationId xmlns:p14="http://schemas.microsoft.com/office/powerpoint/2010/main" val="3202391504"/>
+        <p14:creationId xmlns:p14="http://schemas.microsoft.com/office/powerpoint/2010/main" val="2869075808"/>
       </p:ext>
     </p:extLst>
   </p:cSld>
@@ -9488,8 +9529,8 @@
               <a:buNone/>
             </a:pPr>
             <a:r>
-              <a:rPr lang="ko-KR" altLang="en-US" smtClean="0"/>
-              <a:t>데이터베이스 리버스엔지니어</a:t>
+              <a:rPr lang="ko-KR" altLang="en-US" dirty="0" smtClean="0"/>
+              <a:t>데이터베이스 테이블 생성</a:t>
             </a:r>
             <a:endParaRPr lang="en-US" altLang="ko-KR" dirty="0"/>
           </a:p>
@@ -9511,66 +9552,64 @@
         </p:blipFill>
         <p:spPr>
           <a:xfrm>
-            <a:off x="556951" y="2113336"/>
-            <a:ext cx="4786399" cy="3746819"/>
+            <a:off x="3092335" y="2157409"/>
+            <a:ext cx="6981765" cy="4519129"/>
           </a:xfrm>
           <a:prstGeom prst="rect">
             <a:avLst/>
           </a:prstGeom>
         </p:spPr>
       </p:pic>
-      <p:pic>
-        <p:nvPicPr>
-          <p:cNvPr id="4" name="그림 3"/>
-          <p:cNvPicPr>
-            <a:picLocks noChangeAspect="1"/>
-          </p:cNvPicPr>
+      <p:sp>
+        <p:nvSpPr>
+          <p:cNvPr id="6" name="직사각형 5"/>
+          <p:cNvSpPr/>
           <p:nvPr/>
-        </p:nvPicPr>
-        <p:blipFill>
-          <a:blip r:embed="rId3"/>
-          <a:stretch>
-            <a:fillRect/>
-          </a:stretch>
-        </p:blipFill>
-        <p:spPr>
-          <a:xfrm>
-            <a:off x="3459307" y="3521306"/>
-            <a:ext cx="2879402" cy="1516207"/>
+        </p:nvSpPr>
+        <p:spPr>
+          <a:xfrm>
+            <a:off x="4389122" y="4358115"/>
+            <a:ext cx="390698" cy="454953"/>
           </a:xfrm>
           <a:prstGeom prst="rect">
             <a:avLst/>
           </a:prstGeom>
-        </p:spPr>
-      </p:pic>
-      <p:pic>
-        <p:nvPicPr>
-          <p:cNvPr id="5" name="그림 4"/>
-          <p:cNvPicPr>
-            <a:picLocks noChangeAspect="1"/>
-          </p:cNvPicPr>
-          <p:nvPr/>
-        </p:nvPicPr>
-        <p:blipFill>
-          <a:blip r:embed="rId4"/>
-          <a:stretch>
-            <a:fillRect/>
-          </a:stretch>
-        </p:blipFill>
-        <p:spPr>
-          <a:xfrm>
-            <a:off x="7386011" y="2232833"/>
-            <a:ext cx="4092133" cy="3203344"/>
-          </a:xfrm>
-          <a:prstGeom prst="rect">
-            <a:avLst/>
-          </a:prstGeom>
-        </p:spPr>
-      </p:pic>
+          <a:noFill/>
+          <a:ln>
+            <a:solidFill>
+              <a:srgbClr val="FF0000"/>
+            </a:solidFill>
+          </a:ln>
+        </p:spPr>
+        <p:style>
+          <a:lnRef idx="2">
+            <a:schemeClr val="accent1">
+              <a:shade val="50000"/>
+            </a:schemeClr>
+          </a:lnRef>
+          <a:fillRef idx="1">
+            <a:schemeClr val="accent1"/>
+          </a:fillRef>
+          <a:effectRef idx="0">
+            <a:schemeClr val="accent1"/>
+          </a:effectRef>
+          <a:fontRef idx="minor">
+            <a:schemeClr val="lt1"/>
+          </a:fontRef>
+        </p:style>
+        <p:txBody>
+          <a:bodyPr rtlCol="0" anchor="ctr"/>
+          <a:lstStyle/>
+          <a:p>
+            <a:pPr algn="ctr"/>
+            <a:endParaRPr lang="ko-KR" altLang="en-US"/>
+          </a:p>
+        </p:txBody>
+      </p:sp>
     </p:spTree>
     <p:extLst>
       <p:ext uri="{BB962C8B-B14F-4D97-AF65-F5344CB8AC3E}">
-        <p14:creationId xmlns:p14="http://schemas.microsoft.com/office/powerpoint/2010/main" val="1794528029"/>
+        <p14:creationId xmlns:p14="http://schemas.microsoft.com/office/powerpoint/2010/main" val="2579842107"/>
       </p:ext>
     </p:extLst>
   </p:cSld>
@@ -9861,6 +9900,658 @@
         </p:blipFill>
         <p:spPr>
           <a:xfrm>
+            <a:off x="765868" y="2283924"/>
+            <a:ext cx="6763694" cy="3686689"/>
+          </a:xfrm>
+          <a:prstGeom prst="rect">
+            <a:avLst/>
+          </a:prstGeom>
+        </p:spPr>
+      </p:pic>
+    </p:spTree>
+    <p:extLst>
+      <p:ext uri="{BB962C8B-B14F-4D97-AF65-F5344CB8AC3E}">
+        <p14:creationId xmlns:p14="http://schemas.microsoft.com/office/powerpoint/2010/main" val="3202391504"/>
+      </p:ext>
+    </p:extLst>
+  </p:cSld>
+  <p:clrMapOvr>
+    <a:masterClrMapping/>
+  </p:clrMapOvr>
+</p:sld>
+</file>
+
+<file path=ppt/slides/slide15.xml><?xml version="1.0" encoding="utf-8"?>
+<p:sld xmlns:a="http://schemas.openxmlformats.org/drawingml/2006/main" xmlns:r="http://schemas.openxmlformats.org/officeDocument/2006/relationships" xmlns:p="http://schemas.openxmlformats.org/presentationml/2006/main">
+  <p:cSld>
+    <p:spTree>
+      <p:nvGrpSpPr>
+        <p:cNvPr id="1" name=""/>
+        <p:cNvGrpSpPr/>
+        <p:nvPr/>
+      </p:nvGrpSpPr>
+      <p:grpSpPr>
+        <a:xfrm>
+          <a:off x="0" y="0"/>
+          <a:ext cx="0" cy="0"/>
+          <a:chOff x="0" y="0"/>
+          <a:chExt cx="0" cy="0"/>
+        </a:xfrm>
+      </p:grpSpPr>
+      <p:sp>
+        <p:nvSpPr>
+          <p:cNvPr id="44" name="도형 17"/>
+          <p:cNvSpPr>
+            <a:spLocks/>
+          </p:cNvSpPr>
+          <p:nvPr/>
+        </p:nvSpPr>
+        <p:spPr>
+          <a:xfrm>
+            <a:off x="765868" y="316230"/>
+            <a:ext cx="1371337" cy="454292"/>
+          </a:xfrm>
+          <a:prstGeom prst="rect">
+            <a:avLst/>
+          </a:prstGeom>
+          <a:ln w="0">
+            <a:noFill/>
+            <a:prstDash/>
+          </a:ln>
+        </p:spPr>
+        <p:txBody>
+          <a:bodyPr vert="horz" wrap="none" lIns="91440" tIns="45720" rIns="91440" bIns="45720" numCol="1" anchor="t">
+            <a:spAutoFit/>
+          </a:bodyPr>
+          <a:lstStyle/>
+          <a:p>
+            <a:pPr marL="0" indent="0" latinLnBrk="0">
+              <a:lnSpc>
+                <a:spcPct val="150000"/>
+              </a:lnSpc>
+              <a:buFontTx/>
+              <a:buNone/>
+            </a:pPr>
+            <a:r>
+              <a:rPr lang="en-US" altLang="ko-KR" dirty="0" smtClean="0">
+                <a:solidFill>
+                  <a:schemeClr val="bg1"/>
+                </a:solidFill>
+              </a:rPr>
+              <a:t>Workbench</a:t>
+            </a:r>
+            <a:endParaRPr lang="ko-KR" altLang="en-US" dirty="0">
+              <a:solidFill>
+                <a:schemeClr val="bg1"/>
+              </a:solidFill>
+            </a:endParaRPr>
+          </a:p>
+        </p:txBody>
+      </p:sp>
+      <p:sp>
+        <p:nvSpPr>
+          <p:cNvPr id="7" name="내용 개체 틀 2"/>
+          <p:cNvSpPr txBox="1">
+            <a:spLocks/>
+          </p:cNvSpPr>
+          <p:nvPr/>
+        </p:nvSpPr>
+        <p:spPr>
+          <a:xfrm>
+            <a:off x="457200" y="1334192"/>
+            <a:ext cx="11222182" cy="4525963"/>
+          </a:xfrm>
+          <a:prstGeom prst="rect">
+            <a:avLst/>
+          </a:prstGeom>
+        </p:spPr>
+        <p:txBody>
+          <a:bodyPr/>
+          <a:lstStyle>
+            <a:lvl1pPr marL="228600" indent="-228600" algn="l" defTabSz="914400" rtl="0" eaLnBrk="1" latinLnBrk="1" hangingPunct="1">
+              <a:lnSpc>
+                <a:spcPct val="90000"/>
+              </a:lnSpc>
+              <a:spcBef>
+                <a:spcPts val="1000"/>
+              </a:spcBef>
+              <a:buFont typeface="Arial" panose="020B0604020202020204" pitchFamily="34" charset="0"/>
+              <a:buChar char="•"/>
+              <a:defRPr sz="2800" kern="1200">
+                <a:solidFill>
+                  <a:schemeClr val="tx1"/>
+                </a:solidFill>
+                <a:latin typeface="+mn-lt"/>
+                <a:ea typeface="+mn-ea"/>
+                <a:cs typeface="+mn-cs"/>
+              </a:defRPr>
+            </a:lvl1pPr>
+            <a:lvl2pPr marL="685800" indent="-228600" algn="l" defTabSz="914400" rtl="0" eaLnBrk="1" latinLnBrk="1" hangingPunct="1">
+              <a:lnSpc>
+                <a:spcPct val="90000"/>
+              </a:lnSpc>
+              <a:spcBef>
+                <a:spcPts val="500"/>
+              </a:spcBef>
+              <a:buFont typeface="Arial" panose="020B0604020202020204" pitchFamily="34" charset="0"/>
+              <a:buChar char="•"/>
+              <a:defRPr sz="2400" kern="1200">
+                <a:solidFill>
+                  <a:schemeClr val="tx1"/>
+                </a:solidFill>
+                <a:latin typeface="+mn-lt"/>
+                <a:ea typeface="+mn-ea"/>
+                <a:cs typeface="+mn-cs"/>
+              </a:defRPr>
+            </a:lvl2pPr>
+            <a:lvl3pPr marL="1143000" indent="-228600" algn="l" defTabSz="914400" rtl="0" eaLnBrk="1" latinLnBrk="1" hangingPunct="1">
+              <a:lnSpc>
+                <a:spcPct val="90000"/>
+              </a:lnSpc>
+              <a:spcBef>
+                <a:spcPts val="500"/>
+              </a:spcBef>
+              <a:buFont typeface="Arial" panose="020B0604020202020204" pitchFamily="34" charset="0"/>
+              <a:buChar char="•"/>
+              <a:defRPr sz="2000" kern="1200">
+                <a:solidFill>
+                  <a:schemeClr val="tx1"/>
+                </a:solidFill>
+                <a:latin typeface="+mn-lt"/>
+                <a:ea typeface="+mn-ea"/>
+                <a:cs typeface="+mn-cs"/>
+              </a:defRPr>
+            </a:lvl3pPr>
+            <a:lvl4pPr marL="1600200" indent="-228600" algn="l" defTabSz="914400" rtl="0" eaLnBrk="1" latinLnBrk="1" hangingPunct="1">
+              <a:lnSpc>
+                <a:spcPct val="90000"/>
+              </a:lnSpc>
+              <a:spcBef>
+                <a:spcPts val="500"/>
+              </a:spcBef>
+              <a:buFont typeface="Arial" panose="020B0604020202020204" pitchFamily="34" charset="0"/>
+              <a:buChar char="•"/>
+              <a:defRPr sz="1800" kern="1200">
+                <a:solidFill>
+                  <a:schemeClr val="tx1"/>
+                </a:solidFill>
+                <a:latin typeface="+mn-lt"/>
+                <a:ea typeface="+mn-ea"/>
+                <a:cs typeface="+mn-cs"/>
+              </a:defRPr>
+            </a:lvl4pPr>
+            <a:lvl5pPr marL="2057400" indent="-228600" algn="l" defTabSz="914400" rtl="0" eaLnBrk="1" latinLnBrk="1" hangingPunct="1">
+              <a:lnSpc>
+                <a:spcPct val="90000"/>
+              </a:lnSpc>
+              <a:spcBef>
+                <a:spcPts val="500"/>
+              </a:spcBef>
+              <a:buFont typeface="Arial" panose="020B0604020202020204" pitchFamily="34" charset="0"/>
+              <a:buChar char="•"/>
+              <a:defRPr sz="1800" kern="1200">
+                <a:solidFill>
+                  <a:schemeClr val="tx1"/>
+                </a:solidFill>
+                <a:latin typeface="+mn-lt"/>
+                <a:ea typeface="+mn-ea"/>
+                <a:cs typeface="+mn-cs"/>
+              </a:defRPr>
+            </a:lvl5pPr>
+            <a:lvl6pPr marL="2514600" indent="-228600" algn="l" defTabSz="914400" rtl="0" eaLnBrk="1" latinLnBrk="1" hangingPunct="1">
+              <a:lnSpc>
+                <a:spcPct val="90000"/>
+              </a:lnSpc>
+              <a:spcBef>
+                <a:spcPts val="500"/>
+              </a:spcBef>
+              <a:buFont typeface="Arial" panose="020B0604020202020204" pitchFamily="34" charset="0"/>
+              <a:buChar char="•"/>
+              <a:defRPr sz="1800" kern="1200">
+                <a:solidFill>
+                  <a:schemeClr val="tx1"/>
+                </a:solidFill>
+                <a:latin typeface="+mn-lt"/>
+                <a:ea typeface="+mn-ea"/>
+                <a:cs typeface="+mn-cs"/>
+              </a:defRPr>
+            </a:lvl6pPr>
+            <a:lvl7pPr marL="2971800" indent="-228600" algn="l" defTabSz="914400" rtl="0" eaLnBrk="1" latinLnBrk="1" hangingPunct="1">
+              <a:lnSpc>
+                <a:spcPct val="90000"/>
+              </a:lnSpc>
+              <a:spcBef>
+                <a:spcPts val="500"/>
+              </a:spcBef>
+              <a:buFont typeface="Arial" panose="020B0604020202020204" pitchFamily="34" charset="0"/>
+              <a:buChar char="•"/>
+              <a:defRPr sz="1800" kern="1200">
+                <a:solidFill>
+                  <a:schemeClr val="tx1"/>
+                </a:solidFill>
+                <a:latin typeface="+mn-lt"/>
+                <a:ea typeface="+mn-ea"/>
+                <a:cs typeface="+mn-cs"/>
+              </a:defRPr>
+            </a:lvl7pPr>
+            <a:lvl8pPr marL="3429000" indent="-228600" algn="l" defTabSz="914400" rtl="0" eaLnBrk="1" latinLnBrk="1" hangingPunct="1">
+              <a:lnSpc>
+                <a:spcPct val="90000"/>
+              </a:lnSpc>
+              <a:spcBef>
+                <a:spcPts val="500"/>
+              </a:spcBef>
+              <a:buFont typeface="Arial" panose="020B0604020202020204" pitchFamily="34" charset="0"/>
+              <a:buChar char="•"/>
+              <a:defRPr sz="1800" kern="1200">
+                <a:solidFill>
+                  <a:schemeClr val="tx1"/>
+                </a:solidFill>
+                <a:latin typeface="+mn-lt"/>
+                <a:ea typeface="+mn-ea"/>
+                <a:cs typeface="+mn-cs"/>
+              </a:defRPr>
+            </a:lvl8pPr>
+            <a:lvl9pPr marL="3886200" indent="-228600" algn="l" defTabSz="914400" rtl="0" eaLnBrk="1" latinLnBrk="1" hangingPunct="1">
+              <a:lnSpc>
+                <a:spcPct val="90000"/>
+              </a:lnSpc>
+              <a:spcBef>
+                <a:spcPts val="500"/>
+              </a:spcBef>
+              <a:buFont typeface="Arial" panose="020B0604020202020204" pitchFamily="34" charset="0"/>
+              <a:buChar char="•"/>
+              <a:defRPr sz="1800" kern="1200">
+                <a:solidFill>
+                  <a:schemeClr val="tx1"/>
+                </a:solidFill>
+                <a:latin typeface="+mn-lt"/>
+                <a:ea typeface="+mn-ea"/>
+                <a:cs typeface="+mn-cs"/>
+              </a:defRPr>
+            </a:lvl9pPr>
+          </a:lstStyle>
+          <a:p>
+            <a:pPr marL="0" indent="0">
+              <a:lnSpc>
+                <a:spcPct val="150000"/>
+              </a:lnSpc>
+              <a:buNone/>
+            </a:pPr>
+            <a:r>
+              <a:rPr lang="ko-KR" altLang="en-US" smtClean="0"/>
+              <a:t>데이터베이스 리버스엔지니어</a:t>
+            </a:r>
+            <a:endParaRPr lang="en-US" altLang="ko-KR" dirty="0"/>
+          </a:p>
+        </p:txBody>
+      </p:sp>
+      <p:pic>
+        <p:nvPicPr>
+          <p:cNvPr id="2" name="그림 1"/>
+          <p:cNvPicPr>
+            <a:picLocks noChangeAspect="1"/>
+          </p:cNvPicPr>
+          <p:nvPr/>
+        </p:nvPicPr>
+        <p:blipFill>
+          <a:blip r:embed="rId2"/>
+          <a:stretch>
+            <a:fillRect/>
+          </a:stretch>
+        </p:blipFill>
+        <p:spPr>
+          <a:xfrm>
+            <a:off x="556951" y="2113336"/>
+            <a:ext cx="4786399" cy="3746819"/>
+          </a:xfrm>
+          <a:prstGeom prst="rect">
+            <a:avLst/>
+          </a:prstGeom>
+        </p:spPr>
+      </p:pic>
+      <p:pic>
+        <p:nvPicPr>
+          <p:cNvPr id="4" name="그림 3"/>
+          <p:cNvPicPr>
+            <a:picLocks noChangeAspect="1"/>
+          </p:cNvPicPr>
+          <p:nvPr/>
+        </p:nvPicPr>
+        <p:blipFill>
+          <a:blip r:embed="rId3"/>
+          <a:stretch>
+            <a:fillRect/>
+          </a:stretch>
+        </p:blipFill>
+        <p:spPr>
+          <a:xfrm>
+            <a:off x="3459307" y="3521306"/>
+            <a:ext cx="2879402" cy="1516207"/>
+          </a:xfrm>
+          <a:prstGeom prst="rect">
+            <a:avLst/>
+          </a:prstGeom>
+        </p:spPr>
+      </p:pic>
+      <p:pic>
+        <p:nvPicPr>
+          <p:cNvPr id="5" name="그림 4"/>
+          <p:cNvPicPr>
+            <a:picLocks noChangeAspect="1"/>
+          </p:cNvPicPr>
+          <p:nvPr/>
+        </p:nvPicPr>
+        <p:blipFill>
+          <a:blip r:embed="rId4"/>
+          <a:stretch>
+            <a:fillRect/>
+          </a:stretch>
+        </p:blipFill>
+        <p:spPr>
+          <a:xfrm>
+            <a:off x="7386011" y="2232833"/>
+            <a:ext cx="4092133" cy="3203344"/>
+          </a:xfrm>
+          <a:prstGeom prst="rect">
+            <a:avLst/>
+          </a:prstGeom>
+        </p:spPr>
+      </p:pic>
+    </p:spTree>
+    <p:extLst>
+      <p:ext uri="{BB962C8B-B14F-4D97-AF65-F5344CB8AC3E}">
+        <p14:creationId xmlns:p14="http://schemas.microsoft.com/office/powerpoint/2010/main" val="1794528029"/>
+      </p:ext>
+    </p:extLst>
+  </p:cSld>
+  <p:clrMapOvr>
+    <a:masterClrMapping/>
+  </p:clrMapOvr>
+</p:sld>
+</file>
+
+<file path=ppt/slides/slide16.xml><?xml version="1.0" encoding="utf-8"?>
+<p:sld xmlns:a="http://schemas.openxmlformats.org/drawingml/2006/main" xmlns:r="http://schemas.openxmlformats.org/officeDocument/2006/relationships" xmlns:p="http://schemas.openxmlformats.org/presentationml/2006/main">
+  <p:cSld>
+    <p:spTree>
+      <p:nvGrpSpPr>
+        <p:cNvPr id="1" name=""/>
+        <p:cNvGrpSpPr/>
+        <p:nvPr/>
+      </p:nvGrpSpPr>
+      <p:grpSpPr>
+        <a:xfrm>
+          <a:off x="0" y="0"/>
+          <a:ext cx="0" cy="0"/>
+          <a:chOff x="0" y="0"/>
+          <a:chExt cx="0" cy="0"/>
+        </a:xfrm>
+      </p:grpSpPr>
+      <p:sp>
+        <p:nvSpPr>
+          <p:cNvPr id="44" name="도형 17"/>
+          <p:cNvSpPr>
+            <a:spLocks/>
+          </p:cNvSpPr>
+          <p:nvPr/>
+        </p:nvSpPr>
+        <p:spPr>
+          <a:xfrm>
+            <a:off x="765868" y="316230"/>
+            <a:ext cx="1371337" cy="454292"/>
+          </a:xfrm>
+          <a:prstGeom prst="rect">
+            <a:avLst/>
+          </a:prstGeom>
+          <a:ln w="0">
+            <a:noFill/>
+            <a:prstDash/>
+          </a:ln>
+        </p:spPr>
+        <p:txBody>
+          <a:bodyPr vert="horz" wrap="none" lIns="91440" tIns="45720" rIns="91440" bIns="45720" numCol="1" anchor="t">
+            <a:spAutoFit/>
+          </a:bodyPr>
+          <a:lstStyle/>
+          <a:p>
+            <a:pPr marL="0" indent="0" latinLnBrk="0">
+              <a:lnSpc>
+                <a:spcPct val="150000"/>
+              </a:lnSpc>
+              <a:buFontTx/>
+              <a:buNone/>
+            </a:pPr>
+            <a:r>
+              <a:rPr lang="en-US" altLang="ko-KR" dirty="0" smtClean="0">
+                <a:solidFill>
+                  <a:schemeClr val="bg1"/>
+                </a:solidFill>
+              </a:rPr>
+              <a:t>Workbench</a:t>
+            </a:r>
+            <a:endParaRPr lang="ko-KR" altLang="en-US" dirty="0">
+              <a:solidFill>
+                <a:schemeClr val="bg1"/>
+              </a:solidFill>
+            </a:endParaRPr>
+          </a:p>
+        </p:txBody>
+      </p:sp>
+      <p:sp>
+        <p:nvSpPr>
+          <p:cNvPr id="7" name="내용 개체 틀 2"/>
+          <p:cNvSpPr txBox="1">
+            <a:spLocks/>
+          </p:cNvSpPr>
+          <p:nvPr/>
+        </p:nvSpPr>
+        <p:spPr>
+          <a:xfrm>
+            <a:off x="457200" y="1334192"/>
+            <a:ext cx="11222182" cy="4525963"/>
+          </a:xfrm>
+          <a:prstGeom prst="rect">
+            <a:avLst/>
+          </a:prstGeom>
+        </p:spPr>
+        <p:txBody>
+          <a:bodyPr/>
+          <a:lstStyle>
+            <a:lvl1pPr marL="228600" indent="-228600" algn="l" defTabSz="914400" rtl="0" eaLnBrk="1" latinLnBrk="1" hangingPunct="1">
+              <a:lnSpc>
+                <a:spcPct val="90000"/>
+              </a:lnSpc>
+              <a:spcBef>
+                <a:spcPts val="1000"/>
+              </a:spcBef>
+              <a:buFont typeface="Arial" panose="020B0604020202020204" pitchFamily="34" charset="0"/>
+              <a:buChar char="•"/>
+              <a:defRPr sz="2800" kern="1200">
+                <a:solidFill>
+                  <a:schemeClr val="tx1"/>
+                </a:solidFill>
+                <a:latin typeface="+mn-lt"/>
+                <a:ea typeface="+mn-ea"/>
+                <a:cs typeface="+mn-cs"/>
+              </a:defRPr>
+            </a:lvl1pPr>
+            <a:lvl2pPr marL="685800" indent="-228600" algn="l" defTabSz="914400" rtl="0" eaLnBrk="1" latinLnBrk="1" hangingPunct="1">
+              <a:lnSpc>
+                <a:spcPct val="90000"/>
+              </a:lnSpc>
+              <a:spcBef>
+                <a:spcPts val="500"/>
+              </a:spcBef>
+              <a:buFont typeface="Arial" panose="020B0604020202020204" pitchFamily="34" charset="0"/>
+              <a:buChar char="•"/>
+              <a:defRPr sz="2400" kern="1200">
+                <a:solidFill>
+                  <a:schemeClr val="tx1"/>
+                </a:solidFill>
+                <a:latin typeface="+mn-lt"/>
+                <a:ea typeface="+mn-ea"/>
+                <a:cs typeface="+mn-cs"/>
+              </a:defRPr>
+            </a:lvl2pPr>
+            <a:lvl3pPr marL="1143000" indent="-228600" algn="l" defTabSz="914400" rtl="0" eaLnBrk="1" latinLnBrk="1" hangingPunct="1">
+              <a:lnSpc>
+                <a:spcPct val="90000"/>
+              </a:lnSpc>
+              <a:spcBef>
+                <a:spcPts val="500"/>
+              </a:spcBef>
+              <a:buFont typeface="Arial" panose="020B0604020202020204" pitchFamily="34" charset="0"/>
+              <a:buChar char="•"/>
+              <a:defRPr sz="2000" kern="1200">
+                <a:solidFill>
+                  <a:schemeClr val="tx1"/>
+                </a:solidFill>
+                <a:latin typeface="+mn-lt"/>
+                <a:ea typeface="+mn-ea"/>
+                <a:cs typeface="+mn-cs"/>
+              </a:defRPr>
+            </a:lvl3pPr>
+            <a:lvl4pPr marL="1600200" indent="-228600" algn="l" defTabSz="914400" rtl="0" eaLnBrk="1" latinLnBrk="1" hangingPunct="1">
+              <a:lnSpc>
+                <a:spcPct val="90000"/>
+              </a:lnSpc>
+              <a:spcBef>
+                <a:spcPts val="500"/>
+              </a:spcBef>
+              <a:buFont typeface="Arial" panose="020B0604020202020204" pitchFamily="34" charset="0"/>
+              <a:buChar char="•"/>
+              <a:defRPr sz="1800" kern="1200">
+                <a:solidFill>
+                  <a:schemeClr val="tx1"/>
+                </a:solidFill>
+                <a:latin typeface="+mn-lt"/>
+                <a:ea typeface="+mn-ea"/>
+                <a:cs typeface="+mn-cs"/>
+              </a:defRPr>
+            </a:lvl4pPr>
+            <a:lvl5pPr marL="2057400" indent="-228600" algn="l" defTabSz="914400" rtl="0" eaLnBrk="1" latinLnBrk="1" hangingPunct="1">
+              <a:lnSpc>
+                <a:spcPct val="90000"/>
+              </a:lnSpc>
+              <a:spcBef>
+                <a:spcPts val="500"/>
+              </a:spcBef>
+              <a:buFont typeface="Arial" panose="020B0604020202020204" pitchFamily="34" charset="0"/>
+              <a:buChar char="•"/>
+              <a:defRPr sz="1800" kern="1200">
+                <a:solidFill>
+                  <a:schemeClr val="tx1"/>
+                </a:solidFill>
+                <a:latin typeface="+mn-lt"/>
+                <a:ea typeface="+mn-ea"/>
+                <a:cs typeface="+mn-cs"/>
+              </a:defRPr>
+            </a:lvl5pPr>
+            <a:lvl6pPr marL="2514600" indent="-228600" algn="l" defTabSz="914400" rtl="0" eaLnBrk="1" latinLnBrk="1" hangingPunct="1">
+              <a:lnSpc>
+                <a:spcPct val="90000"/>
+              </a:lnSpc>
+              <a:spcBef>
+                <a:spcPts val="500"/>
+              </a:spcBef>
+              <a:buFont typeface="Arial" panose="020B0604020202020204" pitchFamily="34" charset="0"/>
+              <a:buChar char="•"/>
+              <a:defRPr sz="1800" kern="1200">
+                <a:solidFill>
+                  <a:schemeClr val="tx1"/>
+                </a:solidFill>
+                <a:latin typeface="+mn-lt"/>
+                <a:ea typeface="+mn-ea"/>
+                <a:cs typeface="+mn-cs"/>
+              </a:defRPr>
+            </a:lvl6pPr>
+            <a:lvl7pPr marL="2971800" indent="-228600" algn="l" defTabSz="914400" rtl="0" eaLnBrk="1" latinLnBrk="1" hangingPunct="1">
+              <a:lnSpc>
+                <a:spcPct val="90000"/>
+              </a:lnSpc>
+              <a:spcBef>
+                <a:spcPts val="500"/>
+              </a:spcBef>
+              <a:buFont typeface="Arial" panose="020B0604020202020204" pitchFamily="34" charset="0"/>
+              <a:buChar char="•"/>
+              <a:defRPr sz="1800" kern="1200">
+                <a:solidFill>
+                  <a:schemeClr val="tx1"/>
+                </a:solidFill>
+                <a:latin typeface="+mn-lt"/>
+                <a:ea typeface="+mn-ea"/>
+                <a:cs typeface="+mn-cs"/>
+              </a:defRPr>
+            </a:lvl7pPr>
+            <a:lvl8pPr marL="3429000" indent="-228600" algn="l" defTabSz="914400" rtl="0" eaLnBrk="1" latinLnBrk="1" hangingPunct="1">
+              <a:lnSpc>
+                <a:spcPct val="90000"/>
+              </a:lnSpc>
+              <a:spcBef>
+                <a:spcPts val="500"/>
+              </a:spcBef>
+              <a:buFont typeface="Arial" panose="020B0604020202020204" pitchFamily="34" charset="0"/>
+              <a:buChar char="•"/>
+              <a:defRPr sz="1800" kern="1200">
+                <a:solidFill>
+                  <a:schemeClr val="tx1"/>
+                </a:solidFill>
+                <a:latin typeface="+mn-lt"/>
+                <a:ea typeface="+mn-ea"/>
+                <a:cs typeface="+mn-cs"/>
+              </a:defRPr>
+            </a:lvl8pPr>
+            <a:lvl9pPr marL="3886200" indent="-228600" algn="l" defTabSz="914400" rtl="0" eaLnBrk="1" latinLnBrk="1" hangingPunct="1">
+              <a:lnSpc>
+                <a:spcPct val="90000"/>
+              </a:lnSpc>
+              <a:spcBef>
+                <a:spcPts val="500"/>
+              </a:spcBef>
+              <a:buFont typeface="Arial" panose="020B0604020202020204" pitchFamily="34" charset="0"/>
+              <a:buChar char="•"/>
+              <a:defRPr sz="1800" kern="1200">
+                <a:solidFill>
+                  <a:schemeClr val="tx1"/>
+                </a:solidFill>
+                <a:latin typeface="+mn-lt"/>
+                <a:ea typeface="+mn-ea"/>
+                <a:cs typeface="+mn-cs"/>
+              </a:defRPr>
+            </a:lvl9pPr>
+          </a:lstStyle>
+          <a:p>
+            <a:pPr marL="0" indent="0">
+              <a:lnSpc>
+                <a:spcPct val="150000"/>
+              </a:lnSpc>
+              <a:buNone/>
+            </a:pPr>
+            <a:r>
+              <a:rPr lang="ko-KR" altLang="en-US" smtClean="0"/>
+              <a:t>데이터베이스 리버스엔지니어</a:t>
+            </a:r>
+            <a:endParaRPr lang="en-US" altLang="ko-KR" dirty="0"/>
+          </a:p>
+        </p:txBody>
+      </p:sp>
+      <p:pic>
+        <p:nvPicPr>
+          <p:cNvPr id="3" name="그림 2"/>
+          <p:cNvPicPr>
+            <a:picLocks noChangeAspect="1"/>
+          </p:cNvPicPr>
+          <p:nvPr/>
+        </p:nvPicPr>
+        <p:blipFill>
+          <a:blip r:embed="rId2"/>
+          <a:stretch>
+            <a:fillRect/>
+          </a:stretch>
+        </p:blipFill>
+        <p:spPr>
+          <a:xfrm>
             <a:off x="457200" y="2275774"/>
             <a:ext cx="5298956" cy="4148051"/>
           </a:xfrm>
@@ -9930,7 +10621,7 @@
 </p:sld>
 </file>
 
-<file path=ppt/slides/slide15.xml><?xml version="1.0" encoding="utf-8"?>
+<file path=ppt/slides/slide17.xml><?xml version="1.0" encoding="utf-8"?>
 <p:sld xmlns:a="http://schemas.openxmlformats.org/drawingml/2006/main" xmlns:r="http://schemas.openxmlformats.org/officeDocument/2006/relationships" xmlns:p="http://schemas.openxmlformats.org/presentationml/2006/main">
   <p:cSld>
     <p:spTree>
@@ -11794,7 +12485,7 @@
             </a:pPr>
             <a:r>
               <a:rPr lang="ko-KR" altLang="en-US" dirty="0" smtClean="0"/>
-              <a:t>실행</a:t>
+              <a:t>데이터베이스 생성</a:t>
             </a:r>
             <a:endParaRPr lang="en-US" altLang="ko-KR" dirty="0" smtClean="0"/>
           </a:p>
@@ -11811,7 +12502,7 @@
       </p:sp>
       <p:pic>
         <p:nvPicPr>
-          <p:cNvPr id="6" name="그림 5"/>
+          <p:cNvPr id="2" name="그림 1"/>
           <p:cNvPicPr>
             <a:picLocks noChangeAspect="1"/>
           </p:cNvPicPr>
@@ -11825,64 +12516,42 @@
         </p:blipFill>
         <p:spPr>
           <a:xfrm>
-            <a:off x="2340070" y="1538461"/>
-            <a:ext cx="7851333" cy="4776166"/>
+            <a:off x="559513" y="2128528"/>
+            <a:ext cx="7020270" cy="4295297"/>
           </a:xfrm>
           <a:prstGeom prst="rect">
             <a:avLst/>
           </a:prstGeom>
         </p:spPr>
       </p:pic>
-      <p:sp>
-        <p:nvSpPr>
-          <p:cNvPr id="8" name="직사각형 7"/>
-          <p:cNvSpPr/>
+      <p:pic>
+        <p:nvPicPr>
+          <p:cNvPr id="6" name="그림 5"/>
+          <p:cNvPicPr>
+            <a:picLocks noChangeAspect="1"/>
+          </p:cNvPicPr>
           <p:nvPr/>
-        </p:nvSpPr>
-        <p:spPr>
-          <a:xfrm>
-            <a:off x="2892830" y="6056151"/>
-            <a:ext cx="631767" cy="357448"/>
+        </p:nvPicPr>
+        <p:blipFill>
+          <a:blip r:embed="rId3"/>
+          <a:stretch>
+            <a:fillRect/>
+          </a:stretch>
+        </p:blipFill>
+        <p:spPr>
+          <a:xfrm>
+            <a:off x="6300592" y="1899438"/>
+            <a:ext cx="5245274" cy="3960717"/>
           </a:xfrm>
           <a:prstGeom prst="rect">
             <a:avLst/>
           </a:prstGeom>
-          <a:noFill/>
-          <a:ln>
-            <a:solidFill>
-              <a:srgbClr val="FF0000"/>
-            </a:solidFill>
-          </a:ln>
-        </p:spPr>
-        <p:style>
-          <a:lnRef idx="2">
-            <a:schemeClr val="accent1">
-              <a:shade val="50000"/>
-            </a:schemeClr>
-          </a:lnRef>
-          <a:fillRef idx="1">
-            <a:schemeClr val="accent1"/>
-          </a:fillRef>
-          <a:effectRef idx="0">
-            <a:schemeClr val="accent1"/>
-          </a:effectRef>
-          <a:fontRef idx="minor">
-            <a:schemeClr val="lt1"/>
-          </a:fontRef>
-        </p:style>
-        <p:txBody>
-          <a:bodyPr rtlCol="0" anchor="ctr"/>
-          <a:lstStyle/>
-          <a:p>
-            <a:pPr algn="ctr"/>
-            <a:endParaRPr lang="ko-KR" altLang="en-US"/>
-          </a:p>
-        </p:txBody>
-      </p:sp>
+        </p:spPr>
+      </p:pic>
     </p:spTree>
     <p:extLst>
       <p:ext uri="{BB962C8B-B14F-4D97-AF65-F5344CB8AC3E}">
-        <p14:creationId xmlns:p14="http://schemas.microsoft.com/office/powerpoint/2010/main" val="286389176"/>
+        <p14:creationId xmlns:p14="http://schemas.microsoft.com/office/powerpoint/2010/main" val="292804608"/>
       </p:ext>
     </p:extLst>
   </p:cSld>
@@ -12151,7 +12820,7 @@
             </a:pPr>
             <a:r>
               <a:rPr lang="ko-KR" altLang="en-US" dirty="0" smtClean="0"/>
-              <a:t>쿼리 생성</a:t>
+              <a:t>테이블 생성</a:t>
             </a:r>
             <a:endParaRPr lang="en-US" altLang="ko-KR" dirty="0" smtClean="0"/>
           </a:p>
@@ -12168,7 +12837,7 @@
       </p:sp>
       <p:pic>
         <p:nvPicPr>
-          <p:cNvPr id="2" name="그림 1"/>
+          <p:cNvPr id="3" name="그림 2"/>
           <p:cNvPicPr>
             <a:picLocks noChangeAspect="1"/>
           </p:cNvPicPr>
@@ -12182,8 +12851,32 @@
         </p:blipFill>
         <p:spPr>
           <a:xfrm>
-            <a:off x="2660599" y="1444236"/>
-            <a:ext cx="6815383" cy="4979589"/>
+            <a:off x="457200" y="2054427"/>
+            <a:ext cx="6839905" cy="4277322"/>
+          </a:xfrm>
+          <a:prstGeom prst="rect">
+            <a:avLst/>
+          </a:prstGeom>
+        </p:spPr>
+      </p:pic>
+      <p:pic>
+        <p:nvPicPr>
+          <p:cNvPr id="5" name="그림 4"/>
+          <p:cNvPicPr>
+            <a:picLocks noChangeAspect="1"/>
+          </p:cNvPicPr>
+          <p:nvPr/>
+        </p:nvPicPr>
+        <p:blipFill>
+          <a:blip r:embed="rId3"/>
+          <a:stretch>
+            <a:fillRect/>
+          </a:stretch>
+        </p:blipFill>
+        <p:spPr>
+          <a:xfrm>
+            <a:off x="4979073" y="3570070"/>
+            <a:ext cx="6868484" cy="3010320"/>
           </a:xfrm>
           <a:prstGeom prst="rect">
             <a:avLst/>
@@ -12193,7 +12886,7 @@
     </p:spTree>
     <p:extLst>
       <p:ext uri="{BB962C8B-B14F-4D97-AF65-F5344CB8AC3E}">
-        <p14:creationId xmlns:p14="http://schemas.microsoft.com/office/powerpoint/2010/main" val="79995701"/>
+        <p14:creationId xmlns:p14="http://schemas.microsoft.com/office/powerpoint/2010/main" val="3617133776"/>
       </p:ext>
     </p:extLst>
   </p:cSld>
@@ -12461,16 +13154,8 @@
               <a:buNone/>
             </a:pPr>
             <a:r>
-              <a:rPr lang="ko-KR" altLang="en-US" dirty="0" smtClean="0"/>
-              <a:t>쿼리 생성 </a:t>
-            </a:r>
-            <a:r>
-              <a:rPr lang="en-US" altLang="ko-KR" dirty="0" smtClean="0"/>
-              <a:t>- </a:t>
-            </a:r>
-            <a:r>
-              <a:rPr lang="ko-KR" altLang="en-US" dirty="0" smtClean="0"/>
-              <a:t>실행</a:t>
+              <a:rPr lang="ko-KR" altLang="en-US" dirty="0" err="1" smtClean="0"/>
+              <a:t>쿼리실행</a:t>
             </a:r>
             <a:endParaRPr lang="en-US" altLang="ko-KR" dirty="0" smtClean="0"/>
           </a:p>
@@ -12487,7 +13172,7 @@
       </p:sp>
       <p:pic>
         <p:nvPicPr>
-          <p:cNvPr id="3" name="그림 2"/>
+          <p:cNvPr id="6" name="그림 5"/>
           <p:cNvPicPr>
             <a:picLocks noChangeAspect="1"/>
           </p:cNvPicPr>
@@ -12501,8 +13186,8 @@
         </p:blipFill>
         <p:spPr>
           <a:xfrm>
-            <a:off x="637723" y="2042034"/>
-            <a:ext cx="8954750" cy="4286848"/>
+            <a:off x="2340070" y="1538461"/>
+            <a:ext cx="7851333" cy="4776166"/>
           </a:xfrm>
           <a:prstGeom prst="rect">
             <a:avLst/>
@@ -12511,14 +13196,14 @@
       </p:pic>
       <p:sp>
         <p:nvSpPr>
-          <p:cNvPr id="6" name="직사각형 5"/>
+          <p:cNvPr id="8" name="직사각형 7"/>
           <p:cNvSpPr/>
           <p:nvPr/>
         </p:nvSpPr>
         <p:spPr>
           <a:xfrm>
-            <a:off x="3208714" y="3235898"/>
-            <a:ext cx="390698" cy="357448"/>
+            <a:off x="2892830" y="6056151"/>
+            <a:ext cx="631767" cy="357448"/>
           </a:xfrm>
           <a:prstGeom prst="rect">
             <a:avLst/>
@@ -12555,34 +13240,10 @@
           </a:p>
         </p:txBody>
       </p:sp>
-      <p:pic>
-        <p:nvPicPr>
-          <p:cNvPr id="4" name="그림 3"/>
-          <p:cNvPicPr>
-            <a:picLocks noChangeAspect="1"/>
-          </p:cNvPicPr>
-          <p:nvPr/>
-        </p:nvPicPr>
-        <p:blipFill>
-          <a:blip r:embed="rId3"/>
-          <a:stretch>
-            <a:fillRect/>
-          </a:stretch>
-        </p:blipFill>
-        <p:spPr>
-          <a:xfrm>
-            <a:off x="5705730" y="3687352"/>
-            <a:ext cx="7773485" cy="2991267"/>
-          </a:xfrm>
-          <a:prstGeom prst="rect">
-            <a:avLst/>
-          </a:prstGeom>
-        </p:spPr>
-      </p:pic>
     </p:spTree>
     <p:extLst>
       <p:ext uri="{BB962C8B-B14F-4D97-AF65-F5344CB8AC3E}">
-        <p14:creationId xmlns:p14="http://schemas.microsoft.com/office/powerpoint/2010/main" val="3776652051"/>
+        <p14:creationId xmlns:p14="http://schemas.microsoft.com/office/powerpoint/2010/main" val="286389176"/>
       </p:ext>
     </p:extLst>
   </p:cSld>
@@ -12850,9 +13511,18 @@
               <a:buNone/>
             </a:pPr>
             <a:r>
-              <a:rPr lang="ko-KR" altLang="en-US" smtClean="0"/>
-              <a:t>데이터베이스 모델</a:t>
-            </a:r>
+              <a:rPr lang="ko-KR" altLang="en-US" dirty="0" smtClean="0"/>
+              <a:t>쿼리 생성</a:t>
+            </a:r>
+            <a:endParaRPr lang="en-US" altLang="ko-KR" dirty="0" smtClean="0"/>
+          </a:p>
+          <a:p>
+            <a:pPr marL="0" indent="0">
+              <a:lnSpc>
+                <a:spcPct val="150000"/>
+              </a:lnSpc>
+              <a:buNone/>
+            </a:pPr>
             <a:endParaRPr lang="en-US" altLang="ko-KR" dirty="0"/>
           </a:p>
         </p:txBody>
@@ -12873,8 +13543,8 @@
         </p:blipFill>
         <p:spPr>
           <a:xfrm>
-            <a:off x="3743650" y="1255222"/>
-            <a:ext cx="5637145" cy="5253666"/>
+            <a:off x="2660599" y="1444236"/>
+            <a:ext cx="6815383" cy="4979589"/>
           </a:xfrm>
           <a:prstGeom prst="rect">
             <a:avLst/>
@@ -12884,7 +13554,7 @@
     </p:spTree>
     <p:extLst>
       <p:ext uri="{BB962C8B-B14F-4D97-AF65-F5344CB8AC3E}">
-        <p14:creationId xmlns:p14="http://schemas.microsoft.com/office/powerpoint/2010/main" val="1023212708"/>
+        <p14:creationId xmlns:p14="http://schemas.microsoft.com/office/powerpoint/2010/main" val="79995701"/>
       </p:ext>
     </p:extLst>
   </p:cSld>
